--- a/Intro to Python/Python intro and installation.pptx
+++ b/Intro to Python/Python intro and installation.pptx
@@ -9708,14 +9708,14 @@
               <a:buNone/>
             </a:pPr>
             <a:r>
-              <a:rPr lang="en-US" sz="2000">
+              <a:rPr lang="en-US" sz="1800">
                 <a:solidFill>
                   <a:srgbClr val="FFFFFF"/>
                 </a:solidFill>
               </a:rPr>
               <a:t>Check whether all the boxes shown below are checked and hit install. You can change installation directory below if you want.</a:t>
             </a:r>
-            <a:endParaRPr sz="2000">
+            <a:endParaRPr sz="1800">
               <a:solidFill>
                 <a:srgbClr val="FFFFFF"/>
               </a:solidFill>
@@ -9877,14 +9877,14 @@
               <a:buNone/>
             </a:pPr>
             <a:r>
-              <a:rPr lang="en-US" sz="2000">
+              <a:rPr lang="en-US" sz="1800">
                 <a:solidFill>
                   <a:srgbClr val="FFFFFF"/>
                 </a:solidFill>
               </a:rPr>
               <a:t>Search IDLE on your start menu and open it up.</a:t>
             </a:r>
-            <a:endParaRPr sz="2000">
+            <a:endParaRPr sz="1800">
               <a:solidFill>
                 <a:srgbClr val="FFFFFF"/>
               </a:solidFill>
@@ -9901,14 +9901,14 @@
               <a:buNone/>
             </a:pPr>
             <a:r>
-              <a:rPr lang="en-US" sz="2000">
+              <a:rPr lang="en-US" sz="1800">
                 <a:solidFill>
                   <a:srgbClr val="FFFFFF"/>
                 </a:solidFill>
               </a:rPr>
               <a:t>You will be able to see whether the correct version was installed which is 3.9</a:t>
             </a:r>
-            <a:endParaRPr sz="2000">
+            <a:endParaRPr sz="1800">
               <a:solidFill>
                 <a:srgbClr val="FFFFFF"/>
               </a:solidFill>
@@ -10108,14 +10108,14 @@
               <a:buNone/>
             </a:pPr>
             <a:r>
-              <a:rPr lang="en-US" sz="2000">
+              <a:rPr lang="en-US" sz="1800">
                 <a:solidFill>
                   <a:srgbClr val="FFFFFF"/>
                 </a:solidFill>
               </a:rPr>
               <a:t>Open up your command prompt by typing cmd in start menu.Type pip and hit enter to see if you get an extensive menu of pip commands as shown below. </a:t>
             </a:r>
-            <a:endParaRPr sz="2000">
+            <a:endParaRPr sz="1800">
               <a:solidFill>
                 <a:srgbClr val="FFFFFF"/>
               </a:solidFill>
@@ -11734,6 +11734,9 @@
           <a:lstStyle/>
           <a:p>
             <a:pPr indent="0" lvl="0" marL="0" rtl="0" algn="ctr">
+              <a:lnSpc>
+                <a:spcPct val="115000"/>
+              </a:lnSpc>
               <a:spcBef>
                 <a:spcPts val="0"/>
               </a:spcBef>
@@ -11743,14 +11746,33 @@
               <a:buNone/>
             </a:pPr>
             <a:r>
-              <a:rPr lang="en-US" sz="2500">
+              <a:rPr lang="en-US" sz="1600">
                 <a:solidFill>
                   <a:srgbClr val="FFFFFF"/>
                 </a:solidFill>
               </a:rPr>
-              <a:t>Go to python.org and click on downloads.</a:t>
+              <a:t>Go to python.org and click on downloads. Mac and Linux users can follow the docs on python.org and the installation is similar.</a:t>
             </a:r>
-            <a:endParaRPr sz="2500">
+            <a:endParaRPr sz="1600">
+              <a:solidFill>
+                <a:srgbClr val="FFFFFF"/>
+              </a:solidFill>
+            </a:endParaRPr>
+          </a:p>
+          <a:p>
+            <a:pPr indent="0" lvl="0" marL="0" rtl="0" algn="ctr">
+              <a:spcBef>
+                <a:spcPts val="0"/>
+              </a:spcBef>
+              <a:spcAft>
+                <a:spcPts val="0"/>
+              </a:spcAft>
+              <a:buNone/>
+            </a:pPr>
+            <a:r>
+              <a:t/>
+            </a:r>
+            <a:endParaRPr sz="1800">
               <a:solidFill>
                 <a:srgbClr val="FFFFFF"/>
               </a:solidFill>
@@ -11884,14 +11906,14 @@
               <a:buNone/>
             </a:pPr>
             <a:r>
-              <a:rPr lang="en-US" sz="2000">
+              <a:rPr lang="en-US" sz="1800">
                 <a:solidFill>
                   <a:srgbClr val="FFFFFF"/>
                 </a:solidFill>
               </a:rPr>
               <a:t>Download Python 3.9.0 and click on the exe file once downloaded then run it.</a:t>
             </a:r>
-            <a:endParaRPr sz="2000">
+            <a:endParaRPr sz="1800">
               <a:solidFill>
                 <a:srgbClr val="FFFFFF"/>
               </a:solidFill>
@@ -12025,14 +12047,14 @@
               <a:buNone/>
             </a:pPr>
             <a:r>
-              <a:rPr lang="en-US" sz="2000">
+              <a:rPr lang="en-US" sz="1800">
                 <a:solidFill>
                   <a:srgbClr val="FFFFFF"/>
                 </a:solidFill>
               </a:rPr>
               <a:t>1)Check the lowest box which says Add Python to PATH and select customize installation.</a:t>
             </a:r>
-            <a:endParaRPr sz="2000">
+            <a:endParaRPr sz="1800">
               <a:solidFill>
                 <a:srgbClr val="FFFFFF"/>
               </a:solidFill>
@@ -12049,14 +12071,14 @@
               <a:buNone/>
             </a:pPr>
             <a:r>
-              <a:rPr lang="en-US" sz="2000">
+              <a:rPr lang="en-US" sz="1800">
                 <a:solidFill>
                   <a:srgbClr val="FFFFFF"/>
                 </a:solidFill>
               </a:rPr>
               <a:t>2)Make sure all boxes are checked on the next page and continue.</a:t>
             </a:r>
-            <a:endParaRPr sz="2000">
+            <a:endParaRPr sz="1800">
               <a:solidFill>
                 <a:srgbClr val="FFFFFF"/>
               </a:solidFill>
